--- a/Gestion_Bus_CORTES.pptx
+++ b/Gestion_Bus_CORTES.pptx
@@ -295,6 +295,30 @@
 
 <file path=ppt/changesInfos/changesInfo1.xml><?xml version="1.0" encoding="utf-8"?>
 <pc:chgInfo xmlns:a="http://schemas.openxmlformats.org/drawingml/2006/main" xmlns:r="http://schemas.openxmlformats.org/officeDocument/2006/relationships" xmlns:ac="http://schemas.microsoft.com/office/drawing/2013/main/command" xmlns:pc="http://schemas.microsoft.com/office/powerpoint/2013/main/command">
+  <pc:docChgLst>
+    <pc:chgData name="Carlos Andres Cortes Miranda" userId="af724a00f037adb1" providerId="LiveId" clId="{14DF7F43-8D5F-4FA4-A8DE-FB3C04F989FC}"/>
+    <pc:docChg chg="custSel modSld">
+      <pc:chgData name="Carlos Andres Cortes Miranda" userId="af724a00f037adb1" providerId="LiveId" clId="{14DF7F43-8D5F-4FA4-A8DE-FB3C04F989FC}" dt="2023-03-27T14:28:28.832" v="3" actId="27636"/>
+      <pc:docMkLst>
+        <pc:docMk/>
+      </pc:docMkLst>
+      <pc:sldChg chg="modSp mod">
+        <pc:chgData name="Carlos Andres Cortes Miranda" userId="af724a00f037adb1" providerId="LiveId" clId="{14DF7F43-8D5F-4FA4-A8DE-FB3C04F989FC}" dt="2023-03-27T14:28:28.832" v="3" actId="27636"/>
+        <pc:sldMkLst>
+          <pc:docMk/>
+          <pc:sldMk cId="0" sldId="256"/>
+        </pc:sldMkLst>
+        <pc:spChg chg="mod">
+          <ac:chgData name="Carlos Andres Cortes Miranda" userId="af724a00f037adb1" providerId="LiveId" clId="{14DF7F43-8D5F-4FA4-A8DE-FB3C04F989FC}" dt="2023-03-27T14:28:28.832" v="3" actId="27636"/>
+          <ac:spMkLst>
+            <pc:docMk/>
+            <pc:sldMk cId="0" sldId="256"/>
+            <ac:spMk id="1220" creationId="{00000000-0000-0000-0000-000000000000}"/>
+          </ac:spMkLst>
+        </pc:spChg>
+      </pc:sldChg>
+    </pc:docChg>
+  </pc:docChgLst>
   <pc:docChgLst>
     <pc:chgData name="Carlos Andres Cortes Miranda" userId="af724a00f037adb1" providerId="LiveId" clId="{78DD57FC-008E-4990-9A67-AF5C81E7C6E2}"/>
     <pc:docChg chg="undo custSel delSld modSld sldOrd delMainMaster">
@@ -48095,7 +48119,7 @@
         <p:spPr>
           <a:xfrm>
             <a:off x="1119150" y="2834125"/>
-            <a:ext cx="3076800" cy="792600"/>
+            <a:ext cx="3076800" cy="985384"/>
           </a:xfrm>
           <a:prstGeom prst="rect">
             <a:avLst/>
@@ -48103,7 +48127,7 @@
         </p:spPr>
         <p:txBody>
           <a:bodyPr spcFirstLastPara="1" wrap="square" lIns="91425" tIns="91425" rIns="91425" bIns="91425" anchor="t" anchorCtr="0">
-            <a:normAutofit/>
+            <a:normAutofit fontScale="85000" lnSpcReduction="20000"/>
           </a:bodyPr>
           <a:lstStyle/>
           <a:p>
@@ -48146,6 +48170,10 @@
               </a:spcAft>
               <a:buNone/>
             </a:pPr>
+            <a:r>
+              <a:rPr lang="fr-FR" dirty="0"/>
+              <a:t>https://github.com/cortesmc/Gestion_Bus_CORTES.git</a:t>
+            </a:r>
             <a:endParaRPr dirty="0"/>
           </a:p>
         </p:txBody>
